--- a/Psichology/Var27.pptx
+++ b/Psichology/Var27.pptx
@@ -108,6 +108,11 @@
       </a:defRPr>
     </a:lvl9pPr>
   </p:defaultTextStyle>
+  <p:extLst>
+    <p:ext uri="{EFAFB233-063F-42B5-8137-9DF3F51BA10A}">
+      <p15:sldGuideLst xmlns:p15="http://schemas.microsoft.com/office/powerpoint/2012/main"/>
+    </p:ext>
+  </p:extLst>
 </p:presentation>
 </file>
 
@@ -385,7 +390,7 @@
           <a:p>
             <a:fld id="{9858E556-3607-4DD6-9BF5-2DDE452A8B47}" type="datetimeFigureOut">
               <a:rPr lang="ru-RU" smtClean="0"/>
-              <a:t>01.03.2025</a:t>
+              <a:t>17.03.2025</a:t>
             </a:fld>
             <a:endParaRPr lang="ru-RU"/>
           </a:p>
@@ -799,7 +804,7 @@
           <a:p>
             <a:fld id="{9858E556-3607-4DD6-9BF5-2DDE452A8B47}" type="datetimeFigureOut">
               <a:rPr lang="ru-RU" smtClean="0"/>
-              <a:t>01.03.2025</a:t>
+              <a:t>17.03.2025</a:t>
             </a:fld>
             <a:endParaRPr lang="ru-RU"/>
           </a:p>
@@ -1135,7 +1140,7 @@
           <a:p>
             <a:fld id="{9858E556-3607-4DD6-9BF5-2DDE452A8B47}" type="datetimeFigureOut">
               <a:rPr lang="ru-RU" smtClean="0"/>
-              <a:t>01.03.2025</a:t>
+              <a:t>17.03.2025</a:t>
             </a:fld>
             <a:endParaRPr lang="ru-RU"/>
           </a:p>
@@ -1540,7 +1545,7 @@
           <a:p>
             <a:fld id="{9858E556-3607-4DD6-9BF5-2DDE452A8B47}" type="datetimeFigureOut">
               <a:rPr lang="ru-RU" smtClean="0"/>
-              <a:t>01.03.2025</a:t>
+              <a:t>17.03.2025</a:t>
             </a:fld>
             <a:endParaRPr lang="ru-RU"/>
           </a:p>
@@ -2108,7 +2113,7 @@
           <a:p>
             <a:fld id="{9858E556-3607-4DD6-9BF5-2DDE452A8B47}" type="datetimeFigureOut">
               <a:rPr lang="ru-RU" smtClean="0"/>
-              <a:t>01.03.2025</a:t>
+              <a:t>17.03.2025</a:t>
             </a:fld>
             <a:endParaRPr lang="ru-RU"/>
           </a:p>
@@ -2789,7 +2794,7 @@
           <a:p>
             <a:fld id="{9858E556-3607-4DD6-9BF5-2DDE452A8B47}" type="datetimeFigureOut">
               <a:rPr lang="ru-RU" smtClean="0"/>
-              <a:t>01.03.2025</a:t>
+              <a:t>17.03.2025</a:t>
             </a:fld>
             <a:endParaRPr lang="ru-RU"/>
           </a:p>
@@ -3702,7 +3707,7 @@
           <a:p>
             <a:fld id="{9858E556-3607-4DD6-9BF5-2DDE452A8B47}" type="datetimeFigureOut">
               <a:rPr lang="ru-RU" smtClean="0"/>
-              <a:t>01.03.2025</a:t>
+              <a:t>17.03.2025</a:t>
             </a:fld>
             <a:endParaRPr lang="ru-RU"/>
           </a:p>
@@ -4015,7 +4020,7 @@
           <a:p>
             <a:fld id="{9858E556-3607-4DD6-9BF5-2DDE452A8B47}" type="datetimeFigureOut">
               <a:rPr lang="ru-RU" smtClean="0"/>
-              <a:t>01.03.2025</a:t>
+              <a:t>17.03.2025</a:t>
             </a:fld>
             <a:endParaRPr lang="ru-RU"/>
           </a:p>
@@ -4279,7 +4284,7 @@
           <a:p>
             <a:fld id="{9858E556-3607-4DD6-9BF5-2DDE452A8B47}" type="datetimeFigureOut">
               <a:rPr lang="ru-RU" smtClean="0"/>
-              <a:t>01.03.2025</a:t>
+              <a:t>17.03.2025</a:t>
             </a:fld>
             <a:endParaRPr lang="ru-RU"/>
           </a:p>
@@ -4602,7 +4607,7 @@
           <a:p>
             <a:fld id="{9858E556-3607-4DD6-9BF5-2DDE452A8B47}" type="datetimeFigureOut">
               <a:rPr lang="ru-RU" smtClean="0"/>
-              <a:t>01.03.2025</a:t>
+              <a:t>17.03.2025</a:t>
             </a:fld>
             <a:endParaRPr lang="ru-RU"/>
           </a:p>
@@ -4991,7 +4996,7 @@
           <a:p>
             <a:fld id="{9858E556-3607-4DD6-9BF5-2DDE452A8B47}" type="datetimeFigureOut">
               <a:rPr lang="ru-RU" smtClean="0"/>
-              <a:t>01.03.2025</a:t>
+              <a:t>17.03.2025</a:t>
             </a:fld>
             <a:endParaRPr lang="ru-RU"/>
           </a:p>
@@ -5367,7 +5372,7 @@
           <a:p>
             <a:fld id="{9858E556-3607-4DD6-9BF5-2DDE452A8B47}" type="datetimeFigureOut">
               <a:rPr lang="ru-RU" smtClean="0"/>
-              <a:t>01.03.2025</a:t>
+              <a:t>17.03.2025</a:t>
             </a:fld>
             <a:endParaRPr lang="ru-RU"/>
           </a:p>
@@ -5873,7 +5878,7 @@
           <a:p>
             <a:fld id="{9858E556-3607-4DD6-9BF5-2DDE452A8B47}" type="datetimeFigureOut">
               <a:rPr lang="ru-RU" smtClean="0"/>
-              <a:t>01.03.2025</a:t>
+              <a:t>17.03.2025</a:t>
             </a:fld>
             <a:endParaRPr lang="ru-RU"/>
           </a:p>
@@ -6130,7 +6135,7 @@
           <a:p>
             <a:fld id="{9858E556-3607-4DD6-9BF5-2DDE452A8B47}" type="datetimeFigureOut">
               <a:rPr lang="ru-RU" smtClean="0"/>
-              <a:t>01.03.2025</a:t>
+              <a:t>17.03.2025</a:t>
             </a:fld>
             <a:endParaRPr lang="ru-RU"/>
           </a:p>
@@ -6293,7 +6298,7 @@
           <a:p>
             <a:fld id="{9858E556-3607-4DD6-9BF5-2DDE452A8B47}" type="datetimeFigureOut">
               <a:rPr lang="ru-RU" smtClean="0"/>
-              <a:t>01.03.2025</a:t>
+              <a:t>17.03.2025</a:t>
             </a:fld>
             <a:endParaRPr lang="ru-RU"/>
           </a:p>
@@ -6683,7 +6688,7 @@
           <a:p>
             <a:fld id="{9858E556-3607-4DD6-9BF5-2DDE452A8B47}" type="datetimeFigureOut">
               <a:rPr lang="ru-RU" smtClean="0"/>
-              <a:t>01.03.2025</a:t>
+              <a:t>17.03.2025</a:t>
             </a:fld>
             <a:endParaRPr lang="ru-RU"/>
           </a:p>
@@ -7092,7 +7097,7 @@
           <a:p>
             <a:fld id="{9858E556-3607-4DD6-9BF5-2DDE452A8B47}" type="datetimeFigureOut">
               <a:rPr lang="ru-RU" smtClean="0"/>
-              <a:t>01.03.2025</a:t>
+              <a:t>17.03.2025</a:t>
             </a:fld>
             <a:endParaRPr lang="ru-RU"/>
           </a:p>
@@ -7336,7 +7341,7 @@
           <a:p>
             <a:fld id="{9858E556-3607-4DD6-9BF5-2DDE452A8B47}" type="datetimeFigureOut">
               <a:rPr lang="ru-RU" smtClean="0"/>
-              <a:t>01.03.2025</a:t>
+              <a:t>17.03.2025</a:t>
             </a:fld>
             <a:endParaRPr lang="ru-RU"/>
           </a:p>
@@ -7945,8 +7950,12 @@
           </a:p>
           <a:p>
             <a:r>
+              <a:rPr lang="ru-RU"/>
+              <a:t>Организующее </a:t>
+            </a:r>
+            <a:r>
               <a:rPr lang="ru-RU" dirty="0"/>
-              <a:t>Стабильный состав</a:t>
+              <a:t>начало </a:t>
             </a:r>
           </a:p>
           <a:p>
@@ -8073,15 +8082,13 @@
           <a:p>
             <a:r>
               <a:rPr lang="ru-RU" dirty="0"/>
-              <a:t>По уровню развития: низкого уровня и высокого развития.</a:t>
-            </a:r>
-            <a:endParaRPr lang="en-US" dirty="0"/>
-          </a:p>
-          <a:p>
-            <a:r>
-              <a:rPr lang="ru-RU" dirty="0"/>
-              <a:t>Устойчивые, временные и референтные</a:t>
-            </a:r>
+              <a:t>По уровню развития: низкого уровня и высокого </a:t>
+            </a:r>
+            <a:r>
+              <a:rPr lang="ru-RU"/>
+              <a:t>развития.</a:t>
+            </a:r>
+            <a:endParaRPr lang="ru-RU" dirty="0"/>
           </a:p>
         </p:txBody>
       </p:sp>
